--- a/A 基础/01 计算机/04 数据结构与算法/左程云/算法数据结构基础课/ppt/第06节.pptx
+++ b/A 基础/01 计算机/04 数据结构与算法/左程云/算法数据结构基础课/ppt/第06节.pptx
@@ -205,7 +205,7 @@
           <a:p>
             <a:fld id="{782028E9-46BA-4C86-9A29-AE961B0360E3}" type="datetimeFigureOut">
               <a:rPr lang="zh-CN" altLang="en-US" smtClean="0"/>
-              <a:t>2020/4/8</a:t>
+              <a:t>2021/1/12</a:t>
             </a:fld>
             <a:endParaRPr lang="zh-CN" altLang="en-US"/>
           </a:p>
@@ -494,7 +494,7 @@
           <p:cNvPr id="2" name="标题 1">
             <a:extLst>
               <a:ext uri="{FF2B5EF4-FFF2-40B4-BE49-F238E27FC236}">
-                <a16:creationId xmlns="" xmlns:a16="http://schemas.microsoft.com/office/drawing/2014/main" id="{29985F7D-2893-447E-A803-37D69B5796CA}"/>
+                <a16:creationId xmlns:a16="http://schemas.microsoft.com/office/drawing/2014/main" id="{29985F7D-2893-447E-A803-37D69B5796CA}"/>
               </a:ext>
             </a:extLst>
           </p:cNvPr>
@@ -531,7 +531,7 @@
           <p:cNvPr id="3" name="副标题 2">
             <a:extLst>
               <a:ext uri="{FF2B5EF4-FFF2-40B4-BE49-F238E27FC236}">
-                <a16:creationId xmlns="" xmlns:a16="http://schemas.microsoft.com/office/drawing/2014/main" id="{CDEF0265-F3CE-4110-9F97-CC81574D653F}"/>
+                <a16:creationId xmlns:a16="http://schemas.microsoft.com/office/drawing/2014/main" id="{CDEF0265-F3CE-4110-9F97-CC81574D653F}"/>
               </a:ext>
             </a:extLst>
           </p:cNvPr>
@@ -601,7 +601,7 @@
           <p:cNvPr id="4" name="日期占位符 3">
             <a:extLst>
               <a:ext uri="{FF2B5EF4-FFF2-40B4-BE49-F238E27FC236}">
-                <a16:creationId xmlns="" xmlns:a16="http://schemas.microsoft.com/office/drawing/2014/main" id="{DC5A49BD-18C8-4427-884D-F19DADAC08C3}"/>
+                <a16:creationId xmlns:a16="http://schemas.microsoft.com/office/drawing/2014/main" id="{DC5A49BD-18C8-4427-884D-F19DADAC08C3}"/>
               </a:ext>
             </a:extLst>
           </p:cNvPr>
@@ -619,7 +619,7 @@
           <a:p>
             <a:fld id="{CD197A10-BDA0-4058-9A33-0C5238F4F282}" type="datetime1">
               <a:rPr lang="zh-CN" altLang="en-US" smtClean="0"/>
-              <a:t>2020/4/8</a:t>
+              <a:t>2021/1/12</a:t>
             </a:fld>
             <a:endParaRPr lang="zh-CN" altLang="en-US"/>
           </a:p>
@@ -630,7 +630,7 @@
           <p:cNvPr id="5" name="页脚占位符 4">
             <a:extLst>
               <a:ext uri="{FF2B5EF4-FFF2-40B4-BE49-F238E27FC236}">
-                <a16:creationId xmlns="" xmlns:a16="http://schemas.microsoft.com/office/drawing/2014/main" id="{A3AFE9B6-9B0E-49D8-BA2A-22AFF1E6DF4C}"/>
+                <a16:creationId xmlns:a16="http://schemas.microsoft.com/office/drawing/2014/main" id="{A3AFE9B6-9B0E-49D8-BA2A-22AFF1E6DF4C}"/>
               </a:ext>
             </a:extLst>
           </p:cNvPr>
@@ -663,7 +663,7 @@
           <p:cNvPr id="6" name="灯片编号占位符 5">
             <a:extLst>
               <a:ext uri="{FF2B5EF4-FFF2-40B4-BE49-F238E27FC236}">
-                <a16:creationId xmlns="" xmlns:a16="http://schemas.microsoft.com/office/drawing/2014/main" id="{4F82F10C-99BD-4234-8D28-A6000CA70129}"/>
+                <a16:creationId xmlns:a16="http://schemas.microsoft.com/office/drawing/2014/main" id="{4F82F10C-99BD-4234-8D28-A6000CA70129}"/>
               </a:ext>
             </a:extLst>
           </p:cNvPr>
@@ -722,7 +722,7 @@
           <p:cNvPr id="2" name="标题 1">
             <a:extLst>
               <a:ext uri="{FF2B5EF4-FFF2-40B4-BE49-F238E27FC236}">
-                <a16:creationId xmlns="" xmlns:a16="http://schemas.microsoft.com/office/drawing/2014/main" id="{3CEE198E-60A3-457E-AFEF-2DB2D7CBDD30}"/>
+                <a16:creationId xmlns:a16="http://schemas.microsoft.com/office/drawing/2014/main" id="{3CEE198E-60A3-457E-AFEF-2DB2D7CBDD30}"/>
               </a:ext>
             </a:extLst>
           </p:cNvPr>
@@ -750,7 +750,7 @@
           <p:cNvPr id="3" name="竖排文字占位符 2">
             <a:extLst>
               <a:ext uri="{FF2B5EF4-FFF2-40B4-BE49-F238E27FC236}">
-                <a16:creationId xmlns="" xmlns:a16="http://schemas.microsoft.com/office/drawing/2014/main" id="{5468642D-4259-4A6C-BB57-63DC328C127E}"/>
+                <a16:creationId xmlns:a16="http://schemas.microsoft.com/office/drawing/2014/main" id="{5468642D-4259-4A6C-BB57-63DC328C127E}"/>
               </a:ext>
             </a:extLst>
           </p:cNvPr>
@@ -807,7 +807,7 @@
           <p:cNvPr id="4" name="日期占位符 3">
             <a:extLst>
               <a:ext uri="{FF2B5EF4-FFF2-40B4-BE49-F238E27FC236}">
-                <a16:creationId xmlns="" xmlns:a16="http://schemas.microsoft.com/office/drawing/2014/main" id="{8226CC1B-5EA9-4958-9F31-9D877FBC5C3E}"/>
+                <a16:creationId xmlns:a16="http://schemas.microsoft.com/office/drawing/2014/main" id="{8226CC1B-5EA9-4958-9F31-9D877FBC5C3E}"/>
               </a:ext>
             </a:extLst>
           </p:cNvPr>
@@ -825,7 +825,7 @@
           <a:p>
             <a:fld id="{85AB0413-2FFF-46C2-98D1-488EA38DD690}" type="datetime1">
               <a:rPr lang="zh-CN" altLang="en-US" smtClean="0"/>
-              <a:t>2020/4/8</a:t>
+              <a:t>2021/1/12</a:t>
             </a:fld>
             <a:endParaRPr lang="zh-CN" altLang="en-US"/>
           </a:p>
@@ -836,7 +836,7 @@
           <p:cNvPr id="5" name="页脚占位符 4">
             <a:extLst>
               <a:ext uri="{FF2B5EF4-FFF2-40B4-BE49-F238E27FC236}">
-                <a16:creationId xmlns="" xmlns:a16="http://schemas.microsoft.com/office/drawing/2014/main" id="{C0E5E530-C9FF-495A-B56F-049EE0F4AF04}"/>
+                <a16:creationId xmlns:a16="http://schemas.microsoft.com/office/drawing/2014/main" id="{C0E5E530-C9FF-495A-B56F-049EE0F4AF04}"/>
               </a:ext>
             </a:extLst>
           </p:cNvPr>
@@ -869,7 +869,7 @@
           <p:cNvPr id="6" name="灯片编号占位符 5">
             <a:extLst>
               <a:ext uri="{FF2B5EF4-FFF2-40B4-BE49-F238E27FC236}">
-                <a16:creationId xmlns="" xmlns:a16="http://schemas.microsoft.com/office/drawing/2014/main" id="{980B35E2-1912-488F-A213-51EF128C5891}"/>
+                <a16:creationId xmlns:a16="http://schemas.microsoft.com/office/drawing/2014/main" id="{980B35E2-1912-488F-A213-51EF128C5891}"/>
               </a:ext>
             </a:extLst>
           </p:cNvPr>
@@ -928,7 +928,7 @@
           <p:cNvPr id="2" name="竖排标题 1">
             <a:extLst>
               <a:ext uri="{FF2B5EF4-FFF2-40B4-BE49-F238E27FC236}">
-                <a16:creationId xmlns="" xmlns:a16="http://schemas.microsoft.com/office/drawing/2014/main" id="{A893AF6D-FAEB-402B-A0CB-699197865CC8}"/>
+                <a16:creationId xmlns:a16="http://schemas.microsoft.com/office/drawing/2014/main" id="{A893AF6D-FAEB-402B-A0CB-699197865CC8}"/>
               </a:ext>
             </a:extLst>
           </p:cNvPr>
@@ -961,7 +961,7 @@
           <p:cNvPr id="3" name="竖排文字占位符 2">
             <a:extLst>
               <a:ext uri="{FF2B5EF4-FFF2-40B4-BE49-F238E27FC236}">
-                <a16:creationId xmlns="" xmlns:a16="http://schemas.microsoft.com/office/drawing/2014/main" id="{DEA3EE20-D5DA-4B34-824F-1505E3A30AFC}"/>
+                <a16:creationId xmlns:a16="http://schemas.microsoft.com/office/drawing/2014/main" id="{DEA3EE20-D5DA-4B34-824F-1505E3A30AFC}"/>
               </a:ext>
             </a:extLst>
           </p:cNvPr>
@@ -1023,7 +1023,7 @@
           <p:cNvPr id="4" name="日期占位符 3">
             <a:extLst>
               <a:ext uri="{FF2B5EF4-FFF2-40B4-BE49-F238E27FC236}">
-                <a16:creationId xmlns="" xmlns:a16="http://schemas.microsoft.com/office/drawing/2014/main" id="{134167FC-3FC0-4224-927E-9008133F6666}"/>
+                <a16:creationId xmlns:a16="http://schemas.microsoft.com/office/drawing/2014/main" id="{134167FC-3FC0-4224-927E-9008133F6666}"/>
               </a:ext>
             </a:extLst>
           </p:cNvPr>
@@ -1041,7 +1041,7 @@
           <a:p>
             <a:fld id="{50DA80E8-AB52-4369-B0E8-CCA8E04F18AF}" type="datetime1">
               <a:rPr lang="zh-CN" altLang="en-US" smtClean="0"/>
-              <a:t>2020/4/8</a:t>
+              <a:t>2021/1/12</a:t>
             </a:fld>
             <a:endParaRPr lang="zh-CN" altLang="en-US"/>
           </a:p>
@@ -1052,7 +1052,7 @@
           <p:cNvPr id="5" name="页脚占位符 4">
             <a:extLst>
               <a:ext uri="{FF2B5EF4-FFF2-40B4-BE49-F238E27FC236}">
-                <a16:creationId xmlns="" xmlns:a16="http://schemas.microsoft.com/office/drawing/2014/main" id="{2C5C027A-BD09-4FF2-8978-AFEFA1DCF79B}"/>
+                <a16:creationId xmlns:a16="http://schemas.microsoft.com/office/drawing/2014/main" id="{2C5C027A-BD09-4FF2-8978-AFEFA1DCF79B}"/>
               </a:ext>
             </a:extLst>
           </p:cNvPr>
@@ -1085,7 +1085,7 @@
           <p:cNvPr id="6" name="灯片编号占位符 5">
             <a:extLst>
               <a:ext uri="{FF2B5EF4-FFF2-40B4-BE49-F238E27FC236}">
-                <a16:creationId xmlns="" xmlns:a16="http://schemas.microsoft.com/office/drawing/2014/main" id="{3073BEDD-6DA7-45A3-8DC8-9F4175778560}"/>
+                <a16:creationId xmlns:a16="http://schemas.microsoft.com/office/drawing/2014/main" id="{3073BEDD-6DA7-45A3-8DC8-9F4175778560}"/>
               </a:ext>
             </a:extLst>
           </p:cNvPr>
@@ -1144,7 +1144,7 @@
           <p:cNvPr id="2" name="标题 1">
             <a:extLst>
               <a:ext uri="{FF2B5EF4-FFF2-40B4-BE49-F238E27FC236}">
-                <a16:creationId xmlns="" xmlns:a16="http://schemas.microsoft.com/office/drawing/2014/main" id="{1D768A62-50E5-4801-96EE-88B65C7E5D73}"/>
+                <a16:creationId xmlns:a16="http://schemas.microsoft.com/office/drawing/2014/main" id="{1D768A62-50E5-4801-96EE-88B65C7E5D73}"/>
               </a:ext>
             </a:extLst>
           </p:cNvPr>
@@ -1172,7 +1172,7 @@
           <p:cNvPr id="3" name="内容占位符 2">
             <a:extLst>
               <a:ext uri="{FF2B5EF4-FFF2-40B4-BE49-F238E27FC236}">
-                <a16:creationId xmlns="" xmlns:a16="http://schemas.microsoft.com/office/drawing/2014/main" id="{E07954F8-CAA1-4080-AA73-CFE1E2940E3C}"/>
+                <a16:creationId xmlns:a16="http://schemas.microsoft.com/office/drawing/2014/main" id="{E07954F8-CAA1-4080-AA73-CFE1E2940E3C}"/>
               </a:ext>
             </a:extLst>
           </p:cNvPr>
@@ -1229,7 +1229,7 @@
           <p:cNvPr id="4" name="日期占位符 3">
             <a:extLst>
               <a:ext uri="{FF2B5EF4-FFF2-40B4-BE49-F238E27FC236}">
-                <a16:creationId xmlns="" xmlns:a16="http://schemas.microsoft.com/office/drawing/2014/main" id="{C6ACDC63-0F64-4E77-ABC6-6A859138EA23}"/>
+                <a16:creationId xmlns:a16="http://schemas.microsoft.com/office/drawing/2014/main" id="{C6ACDC63-0F64-4E77-ABC6-6A859138EA23}"/>
               </a:ext>
             </a:extLst>
           </p:cNvPr>
@@ -1247,7 +1247,7 @@
           <a:p>
             <a:fld id="{2750015E-B5F4-40FB-A420-771076B76725}" type="datetime1">
               <a:rPr lang="zh-CN" altLang="en-US" smtClean="0"/>
-              <a:t>2020/4/8</a:t>
+              <a:t>2021/1/12</a:t>
             </a:fld>
             <a:endParaRPr lang="zh-CN" altLang="en-US"/>
           </a:p>
@@ -1258,7 +1258,7 @@
           <p:cNvPr id="5" name="页脚占位符 4">
             <a:extLst>
               <a:ext uri="{FF2B5EF4-FFF2-40B4-BE49-F238E27FC236}">
-                <a16:creationId xmlns="" xmlns:a16="http://schemas.microsoft.com/office/drawing/2014/main" id="{F5C0D97E-B1B0-4293-A0C1-D5B4C97D809B}"/>
+                <a16:creationId xmlns:a16="http://schemas.microsoft.com/office/drawing/2014/main" id="{F5C0D97E-B1B0-4293-A0C1-D5B4C97D809B}"/>
               </a:ext>
             </a:extLst>
           </p:cNvPr>
@@ -1291,7 +1291,7 @@
           <p:cNvPr id="6" name="灯片编号占位符 5">
             <a:extLst>
               <a:ext uri="{FF2B5EF4-FFF2-40B4-BE49-F238E27FC236}">
-                <a16:creationId xmlns="" xmlns:a16="http://schemas.microsoft.com/office/drawing/2014/main" id="{83D1E97E-C471-40A5-A448-C1811406B4D1}"/>
+                <a16:creationId xmlns:a16="http://schemas.microsoft.com/office/drawing/2014/main" id="{83D1E97E-C471-40A5-A448-C1811406B4D1}"/>
               </a:ext>
             </a:extLst>
           </p:cNvPr>
@@ -1350,7 +1350,7 @@
           <p:cNvPr id="2" name="标题 1">
             <a:extLst>
               <a:ext uri="{FF2B5EF4-FFF2-40B4-BE49-F238E27FC236}">
-                <a16:creationId xmlns="" xmlns:a16="http://schemas.microsoft.com/office/drawing/2014/main" id="{D98444A1-B933-49F8-9548-FFB58E0A9AFF}"/>
+                <a16:creationId xmlns:a16="http://schemas.microsoft.com/office/drawing/2014/main" id="{D98444A1-B933-49F8-9548-FFB58E0A9AFF}"/>
               </a:ext>
             </a:extLst>
           </p:cNvPr>
@@ -1387,7 +1387,7 @@
           <p:cNvPr id="3" name="文本占位符 2">
             <a:extLst>
               <a:ext uri="{FF2B5EF4-FFF2-40B4-BE49-F238E27FC236}">
-                <a16:creationId xmlns="" xmlns:a16="http://schemas.microsoft.com/office/drawing/2014/main" id="{42368A91-AF8E-44A0-BDFB-1CF4F021CAD6}"/>
+                <a16:creationId xmlns:a16="http://schemas.microsoft.com/office/drawing/2014/main" id="{42368A91-AF8E-44A0-BDFB-1CF4F021CAD6}"/>
               </a:ext>
             </a:extLst>
           </p:cNvPr>
@@ -1512,7 +1512,7 @@
           <p:cNvPr id="4" name="日期占位符 3">
             <a:extLst>
               <a:ext uri="{FF2B5EF4-FFF2-40B4-BE49-F238E27FC236}">
-                <a16:creationId xmlns="" xmlns:a16="http://schemas.microsoft.com/office/drawing/2014/main" id="{FF8CC330-2829-4C37-8CC9-54FC8F992DEF}"/>
+                <a16:creationId xmlns:a16="http://schemas.microsoft.com/office/drawing/2014/main" id="{FF8CC330-2829-4C37-8CC9-54FC8F992DEF}"/>
               </a:ext>
             </a:extLst>
           </p:cNvPr>
@@ -1530,7 +1530,7 @@
           <a:p>
             <a:fld id="{D8D7F58D-6340-4258-84B2-51D872870289}" type="datetime1">
               <a:rPr lang="zh-CN" altLang="en-US" smtClean="0"/>
-              <a:t>2020/4/8</a:t>
+              <a:t>2021/1/12</a:t>
             </a:fld>
             <a:endParaRPr lang="zh-CN" altLang="en-US"/>
           </a:p>
@@ -1541,7 +1541,7 @@
           <p:cNvPr id="5" name="页脚占位符 4">
             <a:extLst>
               <a:ext uri="{FF2B5EF4-FFF2-40B4-BE49-F238E27FC236}">
-                <a16:creationId xmlns="" xmlns:a16="http://schemas.microsoft.com/office/drawing/2014/main" id="{013D81E6-3263-4E33-8310-A3025D46997F}"/>
+                <a16:creationId xmlns:a16="http://schemas.microsoft.com/office/drawing/2014/main" id="{013D81E6-3263-4E33-8310-A3025D46997F}"/>
               </a:ext>
             </a:extLst>
           </p:cNvPr>
@@ -1574,7 +1574,7 @@
           <p:cNvPr id="6" name="灯片编号占位符 5">
             <a:extLst>
               <a:ext uri="{FF2B5EF4-FFF2-40B4-BE49-F238E27FC236}">
-                <a16:creationId xmlns="" xmlns:a16="http://schemas.microsoft.com/office/drawing/2014/main" id="{FA6271B3-5B98-4F0D-B983-392D5AE535CD}"/>
+                <a16:creationId xmlns:a16="http://schemas.microsoft.com/office/drawing/2014/main" id="{FA6271B3-5B98-4F0D-B983-392D5AE535CD}"/>
               </a:ext>
             </a:extLst>
           </p:cNvPr>
@@ -1633,7 +1633,7 @@
           <p:cNvPr id="2" name="标题 1">
             <a:extLst>
               <a:ext uri="{FF2B5EF4-FFF2-40B4-BE49-F238E27FC236}">
-                <a16:creationId xmlns="" xmlns:a16="http://schemas.microsoft.com/office/drawing/2014/main" id="{2042E7CB-7152-42CE-8DDE-36996DFD164D}"/>
+                <a16:creationId xmlns:a16="http://schemas.microsoft.com/office/drawing/2014/main" id="{2042E7CB-7152-42CE-8DDE-36996DFD164D}"/>
               </a:ext>
             </a:extLst>
           </p:cNvPr>
@@ -1661,7 +1661,7 @@
           <p:cNvPr id="3" name="内容占位符 2">
             <a:extLst>
               <a:ext uri="{FF2B5EF4-FFF2-40B4-BE49-F238E27FC236}">
-                <a16:creationId xmlns="" xmlns:a16="http://schemas.microsoft.com/office/drawing/2014/main" id="{9F299334-C9E2-48F9-A0EB-26EA23F9C3D5}"/>
+                <a16:creationId xmlns:a16="http://schemas.microsoft.com/office/drawing/2014/main" id="{9F299334-C9E2-48F9-A0EB-26EA23F9C3D5}"/>
               </a:ext>
             </a:extLst>
           </p:cNvPr>
@@ -1723,7 +1723,7 @@
           <p:cNvPr id="4" name="内容占位符 3">
             <a:extLst>
               <a:ext uri="{FF2B5EF4-FFF2-40B4-BE49-F238E27FC236}">
-                <a16:creationId xmlns="" xmlns:a16="http://schemas.microsoft.com/office/drawing/2014/main" id="{3C19EA27-A615-470C-8D21-335F7B2DED33}"/>
+                <a16:creationId xmlns:a16="http://schemas.microsoft.com/office/drawing/2014/main" id="{3C19EA27-A615-470C-8D21-335F7B2DED33}"/>
               </a:ext>
             </a:extLst>
           </p:cNvPr>
@@ -1785,7 +1785,7 @@
           <p:cNvPr id="5" name="日期占位符 4">
             <a:extLst>
               <a:ext uri="{FF2B5EF4-FFF2-40B4-BE49-F238E27FC236}">
-                <a16:creationId xmlns="" xmlns:a16="http://schemas.microsoft.com/office/drawing/2014/main" id="{58B4FAC3-BCF0-44D7-97D3-7FB28B3C7B5D}"/>
+                <a16:creationId xmlns:a16="http://schemas.microsoft.com/office/drawing/2014/main" id="{58B4FAC3-BCF0-44D7-97D3-7FB28B3C7B5D}"/>
               </a:ext>
             </a:extLst>
           </p:cNvPr>
@@ -1803,7 +1803,7 @@
           <a:p>
             <a:fld id="{CF95930F-BC8D-4291-A347-52EE457F28AC}" type="datetime1">
               <a:rPr lang="zh-CN" altLang="en-US" smtClean="0"/>
-              <a:t>2020/4/8</a:t>
+              <a:t>2021/1/12</a:t>
             </a:fld>
             <a:endParaRPr lang="zh-CN" altLang="en-US"/>
           </a:p>
@@ -1814,7 +1814,7 @@
           <p:cNvPr id="6" name="页脚占位符 5">
             <a:extLst>
               <a:ext uri="{FF2B5EF4-FFF2-40B4-BE49-F238E27FC236}">
-                <a16:creationId xmlns="" xmlns:a16="http://schemas.microsoft.com/office/drawing/2014/main" id="{5A4B0625-5622-47AD-9A83-E6CB50B75E5A}"/>
+                <a16:creationId xmlns:a16="http://schemas.microsoft.com/office/drawing/2014/main" id="{5A4B0625-5622-47AD-9A83-E6CB50B75E5A}"/>
               </a:ext>
             </a:extLst>
           </p:cNvPr>
@@ -1847,7 +1847,7 @@
           <p:cNvPr id="7" name="灯片编号占位符 6">
             <a:extLst>
               <a:ext uri="{FF2B5EF4-FFF2-40B4-BE49-F238E27FC236}">
-                <a16:creationId xmlns="" xmlns:a16="http://schemas.microsoft.com/office/drawing/2014/main" id="{9AF2C089-4A90-43BD-AA78-81013F726D78}"/>
+                <a16:creationId xmlns:a16="http://schemas.microsoft.com/office/drawing/2014/main" id="{9AF2C089-4A90-43BD-AA78-81013F726D78}"/>
               </a:ext>
             </a:extLst>
           </p:cNvPr>
@@ -1906,7 +1906,7 @@
           <p:cNvPr id="2" name="标题 1">
             <a:extLst>
               <a:ext uri="{FF2B5EF4-FFF2-40B4-BE49-F238E27FC236}">
-                <a16:creationId xmlns="" xmlns:a16="http://schemas.microsoft.com/office/drawing/2014/main" id="{FA99F70C-9D8B-4EC1-B84B-BB5D0BA673C4}"/>
+                <a16:creationId xmlns:a16="http://schemas.microsoft.com/office/drawing/2014/main" id="{FA99F70C-9D8B-4EC1-B84B-BB5D0BA673C4}"/>
               </a:ext>
             </a:extLst>
           </p:cNvPr>
@@ -1939,7 +1939,7 @@
           <p:cNvPr id="3" name="文本占位符 2">
             <a:extLst>
               <a:ext uri="{FF2B5EF4-FFF2-40B4-BE49-F238E27FC236}">
-                <a16:creationId xmlns="" xmlns:a16="http://schemas.microsoft.com/office/drawing/2014/main" id="{9ECAED0E-72B7-4745-89AB-2F7CAF27FB84}"/>
+                <a16:creationId xmlns:a16="http://schemas.microsoft.com/office/drawing/2014/main" id="{9ECAED0E-72B7-4745-89AB-2F7CAF27FB84}"/>
               </a:ext>
             </a:extLst>
           </p:cNvPr>
@@ -2010,7 +2010,7 @@
           <p:cNvPr id="4" name="内容占位符 3">
             <a:extLst>
               <a:ext uri="{FF2B5EF4-FFF2-40B4-BE49-F238E27FC236}">
-                <a16:creationId xmlns="" xmlns:a16="http://schemas.microsoft.com/office/drawing/2014/main" id="{683C16B5-FEB9-4527-B672-0FE8A535D1DD}"/>
+                <a16:creationId xmlns:a16="http://schemas.microsoft.com/office/drawing/2014/main" id="{683C16B5-FEB9-4527-B672-0FE8A535D1DD}"/>
               </a:ext>
             </a:extLst>
           </p:cNvPr>
@@ -2072,7 +2072,7 @@
           <p:cNvPr id="5" name="文本占位符 4">
             <a:extLst>
               <a:ext uri="{FF2B5EF4-FFF2-40B4-BE49-F238E27FC236}">
-                <a16:creationId xmlns="" xmlns:a16="http://schemas.microsoft.com/office/drawing/2014/main" id="{DC1BF883-558A-4A38-85EF-3A4189BF6C6F}"/>
+                <a16:creationId xmlns:a16="http://schemas.microsoft.com/office/drawing/2014/main" id="{DC1BF883-558A-4A38-85EF-3A4189BF6C6F}"/>
               </a:ext>
             </a:extLst>
           </p:cNvPr>
@@ -2143,7 +2143,7 @@
           <p:cNvPr id="6" name="内容占位符 5">
             <a:extLst>
               <a:ext uri="{FF2B5EF4-FFF2-40B4-BE49-F238E27FC236}">
-                <a16:creationId xmlns="" xmlns:a16="http://schemas.microsoft.com/office/drawing/2014/main" id="{AACC4BD9-C08F-4FE4-B845-30E8FDFCF2FA}"/>
+                <a16:creationId xmlns:a16="http://schemas.microsoft.com/office/drawing/2014/main" id="{AACC4BD9-C08F-4FE4-B845-30E8FDFCF2FA}"/>
               </a:ext>
             </a:extLst>
           </p:cNvPr>
@@ -2205,7 +2205,7 @@
           <p:cNvPr id="7" name="日期占位符 6">
             <a:extLst>
               <a:ext uri="{FF2B5EF4-FFF2-40B4-BE49-F238E27FC236}">
-                <a16:creationId xmlns="" xmlns:a16="http://schemas.microsoft.com/office/drawing/2014/main" id="{E1273016-63EE-4F9A-860D-567206C842D4}"/>
+                <a16:creationId xmlns:a16="http://schemas.microsoft.com/office/drawing/2014/main" id="{E1273016-63EE-4F9A-860D-567206C842D4}"/>
               </a:ext>
             </a:extLst>
           </p:cNvPr>
@@ -2223,7 +2223,7 @@
           <a:p>
             <a:fld id="{A0144562-18EF-4804-B489-529351FE0EFB}" type="datetime1">
               <a:rPr lang="zh-CN" altLang="en-US" smtClean="0"/>
-              <a:t>2020/4/8</a:t>
+              <a:t>2021/1/12</a:t>
             </a:fld>
             <a:endParaRPr lang="zh-CN" altLang="en-US"/>
           </a:p>
@@ -2234,7 +2234,7 @@
           <p:cNvPr id="8" name="页脚占位符 7">
             <a:extLst>
               <a:ext uri="{FF2B5EF4-FFF2-40B4-BE49-F238E27FC236}">
-                <a16:creationId xmlns="" xmlns:a16="http://schemas.microsoft.com/office/drawing/2014/main" id="{CD702712-1F22-4431-9A09-50D22073370F}"/>
+                <a16:creationId xmlns:a16="http://schemas.microsoft.com/office/drawing/2014/main" id="{CD702712-1F22-4431-9A09-50D22073370F}"/>
               </a:ext>
             </a:extLst>
           </p:cNvPr>
@@ -2267,7 +2267,7 @@
           <p:cNvPr id="9" name="灯片编号占位符 8">
             <a:extLst>
               <a:ext uri="{FF2B5EF4-FFF2-40B4-BE49-F238E27FC236}">
-                <a16:creationId xmlns="" xmlns:a16="http://schemas.microsoft.com/office/drawing/2014/main" id="{D83CD357-8C95-4204-B9D0-CA421830F08D}"/>
+                <a16:creationId xmlns:a16="http://schemas.microsoft.com/office/drawing/2014/main" id="{D83CD357-8C95-4204-B9D0-CA421830F08D}"/>
               </a:ext>
             </a:extLst>
           </p:cNvPr>
@@ -2326,7 +2326,7 @@
           <p:cNvPr id="2" name="标题 1">
             <a:extLst>
               <a:ext uri="{FF2B5EF4-FFF2-40B4-BE49-F238E27FC236}">
-                <a16:creationId xmlns="" xmlns:a16="http://schemas.microsoft.com/office/drawing/2014/main" id="{99F77FBC-BE73-4B5E-A31E-6B4228A07ED1}"/>
+                <a16:creationId xmlns:a16="http://schemas.microsoft.com/office/drawing/2014/main" id="{99F77FBC-BE73-4B5E-A31E-6B4228A07ED1}"/>
               </a:ext>
             </a:extLst>
           </p:cNvPr>
@@ -2354,7 +2354,7 @@
           <p:cNvPr id="3" name="日期占位符 2">
             <a:extLst>
               <a:ext uri="{FF2B5EF4-FFF2-40B4-BE49-F238E27FC236}">
-                <a16:creationId xmlns="" xmlns:a16="http://schemas.microsoft.com/office/drawing/2014/main" id="{EDD740E6-DE39-4140-9E0A-7EBB73F0A733}"/>
+                <a16:creationId xmlns:a16="http://schemas.microsoft.com/office/drawing/2014/main" id="{EDD740E6-DE39-4140-9E0A-7EBB73F0A733}"/>
               </a:ext>
             </a:extLst>
           </p:cNvPr>
@@ -2372,7 +2372,7 @@
           <a:p>
             <a:fld id="{87AACDD8-1178-4728-8218-7551296B221B}" type="datetime1">
               <a:rPr lang="zh-CN" altLang="en-US" smtClean="0"/>
-              <a:t>2020/4/8</a:t>
+              <a:t>2021/1/12</a:t>
             </a:fld>
             <a:endParaRPr lang="zh-CN" altLang="en-US"/>
           </a:p>
@@ -2383,7 +2383,7 @@
           <p:cNvPr id="4" name="页脚占位符 3">
             <a:extLst>
               <a:ext uri="{FF2B5EF4-FFF2-40B4-BE49-F238E27FC236}">
-                <a16:creationId xmlns="" xmlns:a16="http://schemas.microsoft.com/office/drawing/2014/main" id="{F654A8AE-11AF-4B22-BFC3-BAE8DA932948}"/>
+                <a16:creationId xmlns:a16="http://schemas.microsoft.com/office/drawing/2014/main" id="{F654A8AE-11AF-4B22-BFC3-BAE8DA932948}"/>
               </a:ext>
             </a:extLst>
           </p:cNvPr>
@@ -2416,7 +2416,7 @@
           <p:cNvPr id="5" name="灯片编号占位符 4">
             <a:extLst>
               <a:ext uri="{FF2B5EF4-FFF2-40B4-BE49-F238E27FC236}">
-                <a16:creationId xmlns="" xmlns:a16="http://schemas.microsoft.com/office/drawing/2014/main" id="{30F52CEC-DCB0-4377-9888-4B2E5482C633}"/>
+                <a16:creationId xmlns:a16="http://schemas.microsoft.com/office/drawing/2014/main" id="{30F52CEC-DCB0-4377-9888-4B2E5482C633}"/>
               </a:ext>
             </a:extLst>
           </p:cNvPr>
@@ -2475,7 +2475,7 @@
           <p:cNvPr id="2" name="日期占位符 1">
             <a:extLst>
               <a:ext uri="{FF2B5EF4-FFF2-40B4-BE49-F238E27FC236}">
-                <a16:creationId xmlns="" xmlns:a16="http://schemas.microsoft.com/office/drawing/2014/main" id="{F6284870-2FB6-4A8E-839C-D1FD68F0FEDF}"/>
+                <a16:creationId xmlns:a16="http://schemas.microsoft.com/office/drawing/2014/main" id="{F6284870-2FB6-4A8E-839C-D1FD68F0FEDF}"/>
               </a:ext>
             </a:extLst>
           </p:cNvPr>
@@ -2493,7 +2493,7 @@
           <a:p>
             <a:fld id="{03893235-274C-41AC-BC84-3C7717B495DB}" type="datetime1">
               <a:rPr lang="zh-CN" altLang="en-US" smtClean="0"/>
-              <a:t>2020/4/8</a:t>
+              <a:t>2021/1/12</a:t>
             </a:fld>
             <a:endParaRPr lang="zh-CN" altLang="en-US"/>
           </a:p>
@@ -2504,7 +2504,7 @@
           <p:cNvPr id="3" name="页脚占位符 2">
             <a:extLst>
               <a:ext uri="{FF2B5EF4-FFF2-40B4-BE49-F238E27FC236}">
-                <a16:creationId xmlns="" xmlns:a16="http://schemas.microsoft.com/office/drawing/2014/main" id="{AA7C1F53-65BA-4057-8EF4-7248DF94AC33}"/>
+                <a16:creationId xmlns:a16="http://schemas.microsoft.com/office/drawing/2014/main" id="{AA7C1F53-65BA-4057-8EF4-7248DF94AC33}"/>
               </a:ext>
             </a:extLst>
           </p:cNvPr>
@@ -2537,7 +2537,7 @@
           <p:cNvPr id="4" name="灯片编号占位符 3">
             <a:extLst>
               <a:ext uri="{FF2B5EF4-FFF2-40B4-BE49-F238E27FC236}">
-                <a16:creationId xmlns="" xmlns:a16="http://schemas.microsoft.com/office/drawing/2014/main" id="{030E1724-C93D-4E99-86F8-E7DDFAE05FD3}"/>
+                <a16:creationId xmlns:a16="http://schemas.microsoft.com/office/drawing/2014/main" id="{030E1724-C93D-4E99-86F8-E7DDFAE05FD3}"/>
               </a:ext>
             </a:extLst>
           </p:cNvPr>
@@ -2596,7 +2596,7 @@
           <p:cNvPr id="2" name="标题 1">
             <a:extLst>
               <a:ext uri="{FF2B5EF4-FFF2-40B4-BE49-F238E27FC236}">
-                <a16:creationId xmlns="" xmlns:a16="http://schemas.microsoft.com/office/drawing/2014/main" id="{8F009701-44F4-46DB-85BA-1D8D940641EF}"/>
+                <a16:creationId xmlns:a16="http://schemas.microsoft.com/office/drawing/2014/main" id="{8F009701-44F4-46DB-85BA-1D8D940641EF}"/>
               </a:ext>
             </a:extLst>
           </p:cNvPr>
@@ -2633,7 +2633,7 @@
           <p:cNvPr id="3" name="内容占位符 2">
             <a:extLst>
               <a:ext uri="{FF2B5EF4-FFF2-40B4-BE49-F238E27FC236}">
-                <a16:creationId xmlns="" xmlns:a16="http://schemas.microsoft.com/office/drawing/2014/main" id="{5744BFB0-4943-4FD2-8944-FA24FCE89CEB}"/>
+                <a16:creationId xmlns:a16="http://schemas.microsoft.com/office/drawing/2014/main" id="{5744BFB0-4943-4FD2-8944-FA24FCE89CEB}"/>
               </a:ext>
             </a:extLst>
           </p:cNvPr>
@@ -2723,7 +2723,7 @@
           <p:cNvPr id="4" name="文本占位符 3">
             <a:extLst>
               <a:ext uri="{FF2B5EF4-FFF2-40B4-BE49-F238E27FC236}">
-                <a16:creationId xmlns="" xmlns:a16="http://schemas.microsoft.com/office/drawing/2014/main" id="{49FEB8B8-6405-4448-9400-5BBF143175B2}"/>
+                <a16:creationId xmlns:a16="http://schemas.microsoft.com/office/drawing/2014/main" id="{49FEB8B8-6405-4448-9400-5BBF143175B2}"/>
               </a:ext>
             </a:extLst>
           </p:cNvPr>
@@ -2794,7 +2794,7 @@
           <p:cNvPr id="5" name="日期占位符 4">
             <a:extLst>
               <a:ext uri="{FF2B5EF4-FFF2-40B4-BE49-F238E27FC236}">
-                <a16:creationId xmlns="" xmlns:a16="http://schemas.microsoft.com/office/drawing/2014/main" id="{B3B6CC54-4FA4-45FF-84EE-9E3E87892071}"/>
+                <a16:creationId xmlns:a16="http://schemas.microsoft.com/office/drawing/2014/main" id="{B3B6CC54-4FA4-45FF-84EE-9E3E87892071}"/>
               </a:ext>
             </a:extLst>
           </p:cNvPr>
@@ -2812,7 +2812,7 @@
           <a:p>
             <a:fld id="{B9E0922B-B69D-4DE3-9B28-B7CBDD995048}" type="datetime1">
               <a:rPr lang="zh-CN" altLang="en-US" smtClean="0"/>
-              <a:t>2020/4/8</a:t>
+              <a:t>2021/1/12</a:t>
             </a:fld>
             <a:endParaRPr lang="zh-CN" altLang="en-US"/>
           </a:p>
@@ -2823,7 +2823,7 @@
           <p:cNvPr id="6" name="页脚占位符 5">
             <a:extLst>
               <a:ext uri="{FF2B5EF4-FFF2-40B4-BE49-F238E27FC236}">
-                <a16:creationId xmlns="" xmlns:a16="http://schemas.microsoft.com/office/drawing/2014/main" id="{F48067A4-FC00-4D40-9FB0-2482836E1192}"/>
+                <a16:creationId xmlns:a16="http://schemas.microsoft.com/office/drawing/2014/main" id="{F48067A4-FC00-4D40-9FB0-2482836E1192}"/>
               </a:ext>
             </a:extLst>
           </p:cNvPr>
@@ -2856,7 +2856,7 @@
           <p:cNvPr id="7" name="灯片编号占位符 6">
             <a:extLst>
               <a:ext uri="{FF2B5EF4-FFF2-40B4-BE49-F238E27FC236}">
-                <a16:creationId xmlns="" xmlns:a16="http://schemas.microsoft.com/office/drawing/2014/main" id="{ED57E447-20EB-4FF5-818E-0B9FC65740EE}"/>
+                <a16:creationId xmlns:a16="http://schemas.microsoft.com/office/drawing/2014/main" id="{ED57E447-20EB-4FF5-818E-0B9FC65740EE}"/>
               </a:ext>
             </a:extLst>
           </p:cNvPr>
@@ -2915,7 +2915,7 @@
           <p:cNvPr id="2" name="标题 1">
             <a:extLst>
               <a:ext uri="{FF2B5EF4-FFF2-40B4-BE49-F238E27FC236}">
-                <a16:creationId xmlns="" xmlns:a16="http://schemas.microsoft.com/office/drawing/2014/main" id="{6A90D426-CA14-43D9-8576-D7DF0E000C42}"/>
+                <a16:creationId xmlns:a16="http://schemas.microsoft.com/office/drawing/2014/main" id="{6A90D426-CA14-43D9-8576-D7DF0E000C42}"/>
               </a:ext>
             </a:extLst>
           </p:cNvPr>
@@ -2952,7 +2952,7 @@
           <p:cNvPr id="3" name="图片占位符 2">
             <a:extLst>
               <a:ext uri="{FF2B5EF4-FFF2-40B4-BE49-F238E27FC236}">
-                <a16:creationId xmlns="" xmlns:a16="http://schemas.microsoft.com/office/drawing/2014/main" id="{C53853B4-38C5-4FA9-878A-709043469CAA}"/>
+                <a16:creationId xmlns:a16="http://schemas.microsoft.com/office/drawing/2014/main" id="{C53853B4-38C5-4FA9-878A-709043469CAA}"/>
               </a:ext>
             </a:extLst>
           </p:cNvPr>
@@ -3019,7 +3019,7 @@
           <p:cNvPr id="4" name="文本占位符 3">
             <a:extLst>
               <a:ext uri="{FF2B5EF4-FFF2-40B4-BE49-F238E27FC236}">
-                <a16:creationId xmlns="" xmlns:a16="http://schemas.microsoft.com/office/drawing/2014/main" id="{6918FA53-03A0-40A6-954D-49744632810C}"/>
+                <a16:creationId xmlns:a16="http://schemas.microsoft.com/office/drawing/2014/main" id="{6918FA53-03A0-40A6-954D-49744632810C}"/>
               </a:ext>
             </a:extLst>
           </p:cNvPr>
@@ -3090,7 +3090,7 @@
           <p:cNvPr id="5" name="日期占位符 4">
             <a:extLst>
               <a:ext uri="{FF2B5EF4-FFF2-40B4-BE49-F238E27FC236}">
-                <a16:creationId xmlns="" xmlns:a16="http://schemas.microsoft.com/office/drawing/2014/main" id="{9A55D181-696C-4F3C-B56E-F444FD5A226E}"/>
+                <a16:creationId xmlns:a16="http://schemas.microsoft.com/office/drawing/2014/main" id="{9A55D181-696C-4F3C-B56E-F444FD5A226E}"/>
               </a:ext>
             </a:extLst>
           </p:cNvPr>
@@ -3108,7 +3108,7 @@
           <a:p>
             <a:fld id="{42048F93-B386-48E1-A4A4-90C957DCE639}" type="datetime1">
               <a:rPr lang="zh-CN" altLang="en-US" smtClean="0"/>
-              <a:t>2020/4/8</a:t>
+              <a:t>2021/1/12</a:t>
             </a:fld>
             <a:endParaRPr lang="zh-CN" altLang="en-US"/>
           </a:p>
@@ -3119,7 +3119,7 @@
           <p:cNvPr id="6" name="页脚占位符 5">
             <a:extLst>
               <a:ext uri="{FF2B5EF4-FFF2-40B4-BE49-F238E27FC236}">
-                <a16:creationId xmlns="" xmlns:a16="http://schemas.microsoft.com/office/drawing/2014/main" id="{D08F06DC-94D8-4112-8B68-2EF21DCF8396}"/>
+                <a16:creationId xmlns:a16="http://schemas.microsoft.com/office/drawing/2014/main" id="{D08F06DC-94D8-4112-8B68-2EF21DCF8396}"/>
               </a:ext>
             </a:extLst>
           </p:cNvPr>
@@ -3152,7 +3152,7 @@
           <p:cNvPr id="7" name="灯片编号占位符 6">
             <a:extLst>
               <a:ext uri="{FF2B5EF4-FFF2-40B4-BE49-F238E27FC236}">
-                <a16:creationId xmlns="" xmlns:a16="http://schemas.microsoft.com/office/drawing/2014/main" id="{7F435961-5D76-457F-A41E-22EAB7251273}"/>
+                <a16:creationId xmlns:a16="http://schemas.microsoft.com/office/drawing/2014/main" id="{7F435961-5D76-457F-A41E-22EAB7251273}"/>
               </a:ext>
             </a:extLst>
           </p:cNvPr>
@@ -3216,7 +3216,7 @@
           <p:cNvPr id="2" name="标题占位符 1">
             <a:extLst>
               <a:ext uri="{FF2B5EF4-FFF2-40B4-BE49-F238E27FC236}">
-                <a16:creationId xmlns="" xmlns:a16="http://schemas.microsoft.com/office/drawing/2014/main" id="{80DA9E1F-80C0-49AB-A996-3BDAA7A26112}"/>
+                <a16:creationId xmlns:a16="http://schemas.microsoft.com/office/drawing/2014/main" id="{80DA9E1F-80C0-49AB-A996-3BDAA7A26112}"/>
               </a:ext>
             </a:extLst>
           </p:cNvPr>
@@ -3254,7 +3254,7 @@
           <p:cNvPr id="3" name="文本占位符 2">
             <a:extLst>
               <a:ext uri="{FF2B5EF4-FFF2-40B4-BE49-F238E27FC236}">
-                <a16:creationId xmlns="" xmlns:a16="http://schemas.microsoft.com/office/drawing/2014/main" id="{FDC74AEC-7596-4377-B478-42E118D6FF50}"/>
+                <a16:creationId xmlns:a16="http://schemas.microsoft.com/office/drawing/2014/main" id="{FDC74AEC-7596-4377-B478-42E118D6FF50}"/>
               </a:ext>
             </a:extLst>
           </p:cNvPr>
@@ -3321,7 +3321,7 @@
           <p:cNvPr id="4" name="日期占位符 3">
             <a:extLst>
               <a:ext uri="{FF2B5EF4-FFF2-40B4-BE49-F238E27FC236}">
-                <a16:creationId xmlns="" xmlns:a16="http://schemas.microsoft.com/office/drawing/2014/main" id="{CF0F9C65-6A19-4E0A-B187-50E5D262C92D}"/>
+                <a16:creationId xmlns:a16="http://schemas.microsoft.com/office/drawing/2014/main" id="{CF0F9C65-6A19-4E0A-B187-50E5D262C92D}"/>
               </a:ext>
             </a:extLst>
           </p:cNvPr>
@@ -3357,7 +3357,7 @@
           <a:p>
             <a:fld id="{2E2D3690-DEAE-4EF6-9EC5-36B2D000055D}" type="datetime1">
               <a:rPr lang="zh-CN" altLang="en-US" smtClean="0"/>
-              <a:t>2020/4/8</a:t>
+              <a:t>2021/1/12</a:t>
             </a:fld>
             <a:endParaRPr lang="zh-CN" altLang="en-US"/>
           </a:p>
@@ -3368,7 +3368,7 @@
           <p:cNvPr id="5" name="页脚占位符 4">
             <a:extLst>
               <a:ext uri="{FF2B5EF4-FFF2-40B4-BE49-F238E27FC236}">
-                <a16:creationId xmlns="" xmlns:a16="http://schemas.microsoft.com/office/drawing/2014/main" id="{0E0127EF-D0C3-4E8D-9299-E86FBA9C4A61}"/>
+                <a16:creationId xmlns:a16="http://schemas.microsoft.com/office/drawing/2014/main" id="{0E0127EF-D0C3-4E8D-9299-E86FBA9C4A61}"/>
               </a:ext>
             </a:extLst>
           </p:cNvPr>
@@ -3419,7 +3419,7 @@
           <p:cNvPr id="6" name="灯片编号占位符 5">
             <a:extLst>
               <a:ext uri="{FF2B5EF4-FFF2-40B4-BE49-F238E27FC236}">
-                <a16:creationId xmlns="" xmlns:a16="http://schemas.microsoft.com/office/drawing/2014/main" id="{82EF01A5-4F7D-4244-B1F9-39D91D61844B}"/>
+                <a16:creationId xmlns:a16="http://schemas.microsoft.com/office/drawing/2014/main" id="{82EF01A5-4F7D-4244-B1F9-39D91D61844B}"/>
               </a:ext>
             </a:extLst>
           </p:cNvPr>
@@ -3788,7 +3788,7 @@
           <p:cNvPr id="2" name="标题 1">
             <a:extLst>
               <a:ext uri="{FF2B5EF4-FFF2-40B4-BE49-F238E27FC236}">
-                <a16:creationId xmlns="" xmlns:a16="http://schemas.microsoft.com/office/drawing/2014/main" id="{1E73E5AB-5160-402A-83EF-743608F607A1}"/>
+                <a16:creationId xmlns:a16="http://schemas.microsoft.com/office/drawing/2014/main" id="{1E73E5AB-5160-402A-83EF-743608F607A1}"/>
               </a:ext>
             </a:extLst>
           </p:cNvPr>
@@ -3819,7 +3819,7 @@
           <p:cNvPr id="3" name="副标题 2">
             <a:extLst>
               <a:ext uri="{FF2B5EF4-FFF2-40B4-BE49-F238E27FC236}">
-                <a16:creationId xmlns="" xmlns:a16="http://schemas.microsoft.com/office/drawing/2014/main" id="{539BDA33-83B0-4C19-ACDC-A94DBCA00549}"/>
+                <a16:creationId xmlns:a16="http://schemas.microsoft.com/office/drawing/2014/main" id="{539BDA33-83B0-4C19-ACDC-A94DBCA00549}"/>
               </a:ext>
             </a:extLst>
           </p:cNvPr>
@@ -3863,7 +3863,7 @@
           <p:cNvPr id="4" name="页脚占位符 3">
             <a:extLst>
               <a:ext uri="{FF2B5EF4-FFF2-40B4-BE49-F238E27FC236}">
-                <a16:creationId xmlns="" xmlns:a16="http://schemas.microsoft.com/office/drawing/2014/main" id="{2BC83350-A18E-4706-8212-C2CC3C560195}"/>
+                <a16:creationId xmlns:a16="http://schemas.microsoft.com/office/drawing/2014/main" id="{2BC83350-A18E-4706-8212-C2CC3C560195}"/>
               </a:ext>
             </a:extLst>
           </p:cNvPr>
@@ -3900,7 +3900,7 @@
           <p:cNvPr id="5" name="图片 4">
             <a:extLst>
               <a:ext uri="{FF2B5EF4-FFF2-40B4-BE49-F238E27FC236}">
-                <a16:creationId xmlns="" xmlns:a16="http://schemas.microsoft.com/office/drawing/2014/main" id="{558D48C9-EE5A-455D-909A-98B6ED11C025}"/>
+                <a16:creationId xmlns:a16="http://schemas.microsoft.com/office/drawing/2014/main" id="{558D48C9-EE5A-455D-909A-98B6ED11C025}"/>
               </a:ext>
             </a:extLst>
           </p:cNvPr>
@@ -3973,7 +3973,7 @@
           <p:cNvPr id="2" name="标题 1">
             <a:extLst>
               <a:ext uri="{FF2B5EF4-FFF2-40B4-BE49-F238E27FC236}">
-                <a16:creationId xmlns="" xmlns:a16="http://schemas.microsoft.com/office/drawing/2014/main" id="{403A4842-C8D9-4956-A38B-831250316ED2}"/>
+                <a16:creationId xmlns:a16="http://schemas.microsoft.com/office/drawing/2014/main" id="{403A4842-C8D9-4956-A38B-831250316ED2}"/>
               </a:ext>
             </a:extLst>
           </p:cNvPr>
@@ -4009,7 +4009,7 @@
           <p:cNvPr id="3" name="内容占位符 2">
             <a:extLst>
               <a:ext uri="{FF2B5EF4-FFF2-40B4-BE49-F238E27FC236}">
-                <a16:creationId xmlns="" xmlns:a16="http://schemas.microsoft.com/office/drawing/2014/main" id="{FCF28F77-6743-40F7-B661-7DE6BEDC6A0B}"/>
+                <a16:creationId xmlns:a16="http://schemas.microsoft.com/office/drawing/2014/main" id="{FCF28F77-6743-40F7-B661-7DE6BEDC6A0B}"/>
               </a:ext>
             </a:extLst>
           </p:cNvPr>
@@ -4039,7 +4039,6 @@
               <a:rPr lang="zh-CN" altLang="en-US" sz="2400" dirty="0"/>
               <a:t>面试时链表解题的方法论 </a:t>
             </a:r>
-            <a:endParaRPr lang="zh-CN" altLang="en-US" sz="2400" dirty="0"/>
           </a:p>
           <a:p>
             <a:pPr marL="0" indent="0">
@@ -4104,7 +4103,7 @@
           <p:cNvPr id="4" name="页脚占位符 3">
             <a:extLst>
               <a:ext uri="{FF2B5EF4-FFF2-40B4-BE49-F238E27FC236}">
-                <a16:creationId xmlns="" xmlns:a16="http://schemas.microsoft.com/office/drawing/2014/main" id="{E5784C5B-E926-4C19-849B-C2507EB97652}"/>
+                <a16:creationId xmlns:a16="http://schemas.microsoft.com/office/drawing/2014/main" id="{E5784C5B-E926-4C19-849B-C2507EB97652}"/>
               </a:ext>
             </a:extLst>
           </p:cNvPr>
@@ -4141,7 +4140,7 @@
           <p:cNvPr id="5" name="图片 4">
             <a:extLst>
               <a:ext uri="{FF2B5EF4-FFF2-40B4-BE49-F238E27FC236}">
-                <a16:creationId xmlns="" xmlns:a16="http://schemas.microsoft.com/office/drawing/2014/main" id="{DD3CE3FF-C8EB-4708-915E-B1FE5FA36590}"/>
+                <a16:creationId xmlns:a16="http://schemas.microsoft.com/office/drawing/2014/main" id="{DD3CE3FF-C8EB-4708-915E-B1FE5FA36590}"/>
               </a:ext>
             </a:extLst>
           </p:cNvPr>
@@ -4214,7 +4213,7 @@
           <p:cNvPr id="2" name="标题 1">
             <a:extLst>
               <a:ext uri="{FF2B5EF4-FFF2-40B4-BE49-F238E27FC236}">
-                <a16:creationId xmlns="" xmlns:a16="http://schemas.microsoft.com/office/drawing/2014/main" id="{403A4842-C8D9-4956-A38B-831250316ED2}"/>
+                <a16:creationId xmlns:a16="http://schemas.microsoft.com/office/drawing/2014/main" id="{403A4842-C8D9-4956-A38B-831250316ED2}"/>
               </a:ext>
             </a:extLst>
           </p:cNvPr>
@@ -4250,7 +4249,7 @@
           <p:cNvPr id="3" name="内容占位符 2">
             <a:extLst>
               <a:ext uri="{FF2B5EF4-FFF2-40B4-BE49-F238E27FC236}">
-                <a16:creationId xmlns="" xmlns:a16="http://schemas.microsoft.com/office/drawing/2014/main" id="{FCF28F77-6743-40F7-B661-7DE6BEDC6A0B}"/>
+                <a16:creationId xmlns:a16="http://schemas.microsoft.com/office/drawing/2014/main" id="{FCF28F77-6743-40F7-B661-7DE6BEDC6A0B}"/>
               </a:ext>
             </a:extLst>
           </p:cNvPr>
@@ -4343,7 +4342,7 @@
           <p:cNvPr id="4" name="页脚占位符 3">
             <a:extLst>
               <a:ext uri="{FF2B5EF4-FFF2-40B4-BE49-F238E27FC236}">
-                <a16:creationId xmlns="" xmlns:a16="http://schemas.microsoft.com/office/drawing/2014/main" id="{E5784C5B-E926-4C19-849B-C2507EB97652}"/>
+                <a16:creationId xmlns:a16="http://schemas.microsoft.com/office/drawing/2014/main" id="{E5784C5B-E926-4C19-849B-C2507EB97652}"/>
               </a:ext>
             </a:extLst>
           </p:cNvPr>
@@ -4380,7 +4379,7 @@
           <p:cNvPr id="5" name="图片 4">
             <a:extLst>
               <a:ext uri="{FF2B5EF4-FFF2-40B4-BE49-F238E27FC236}">
-                <a16:creationId xmlns="" xmlns:a16="http://schemas.microsoft.com/office/drawing/2014/main" id="{DD3CE3FF-C8EB-4708-915E-B1FE5FA36590}"/>
+                <a16:creationId xmlns:a16="http://schemas.microsoft.com/office/drawing/2014/main" id="{DD3CE3FF-C8EB-4708-915E-B1FE5FA36590}"/>
               </a:ext>
             </a:extLst>
           </p:cNvPr>
@@ -4453,7 +4452,7 @@
           <p:cNvPr id="2" name="标题 1">
             <a:extLst>
               <a:ext uri="{FF2B5EF4-FFF2-40B4-BE49-F238E27FC236}">
-                <a16:creationId xmlns="" xmlns:a16="http://schemas.microsoft.com/office/drawing/2014/main" id="{403A4842-C8D9-4956-A38B-831250316ED2}"/>
+                <a16:creationId xmlns:a16="http://schemas.microsoft.com/office/drawing/2014/main" id="{403A4842-C8D9-4956-A38B-831250316ED2}"/>
               </a:ext>
             </a:extLst>
           </p:cNvPr>
@@ -4489,7 +4488,7 @@
           <p:cNvPr id="3" name="内容占位符 2">
             <a:extLst>
               <a:ext uri="{FF2B5EF4-FFF2-40B4-BE49-F238E27FC236}">
-                <a16:creationId xmlns="" xmlns:a16="http://schemas.microsoft.com/office/drawing/2014/main" id="{FCF28F77-6743-40F7-B661-7DE6BEDC6A0B}"/>
+                <a16:creationId xmlns:a16="http://schemas.microsoft.com/office/drawing/2014/main" id="{FCF28F77-6743-40F7-B661-7DE6BEDC6A0B}"/>
               </a:ext>
             </a:extLst>
           </p:cNvPr>
@@ -4648,7 +4647,7 @@
           <p:cNvPr id="4" name="页脚占位符 3">
             <a:extLst>
               <a:ext uri="{FF2B5EF4-FFF2-40B4-BE49-F238E27FC236}">
-                <a16:creationId xmlns="" xmlns:a16="http://schemas.microsoft.com/office/drawing/2014/main" id="{E5784C5B-E926-4C19-849B-C2507EB97652}"/>
+                <a16:creationId xmlns:a16="http://schemas.microsoft.com/office/drawing/2014/main" id="{E5784C5B-E926-4C19-849B-C2507EB97652}"/>
               </a:ext>
             </a:extLst>
           </p:cNvPr>
@@ -4685,7 +4684,7 @@
           <p:cNvPr id="5" name="图片 4">
             <a:extLst>
               <a:ext uri="{FF2B5EF4-FFF2-40B4-BE49-F238E27FC236}">
-                <a16:creationId xmlns="" xmlns:a16="http://schemas.microsoft.com/office/drawing/2014/main" id="{DD3CE3FF-C8EB-4708-915E-B1FE5FA36590}"/>
+                <a16:creationId xmlns:a16="http://schemas.microsoft.com/office/drawing/2014/main" id="{DD3CE3FF-C8EB-4708-915E-B1FE5FA36590}"/>
               </a:ext>
             </a:extLst>
           </p:cNvPr>
@@ -4758,7 +4757,7 @@
           <p:cNvPr id="2" name="标题 1">
             <a:extLst>
               <a:ext uri="{FF2B5EF4-FFF2-40B4-BE49-F238E27FC236}">
-                <a16:creationId xmlns="" xmlns:a16="http://schemas.microsoft.com/office/drawing/2014/main" id="{403A4842-C8D9-4956-A38B-831250316ED2}"/>
+                <a16:creationId xmlns:a16="http://schemas.microsoft.com/office/drawing/2014/main" id="{403A4842-C8D9-4956-A38B-831250316ED2}"/>
               </a:ext>
             </a:extLst>
           </p:cNvPr>
@@ -4794,7 +4793,7 @@
           <p:cNvPr id="3" name="内容占位符 2">
             <a:extLst>
               <a:ext uri="{FF2B5EF4-FFF2-40B4-BE49-F238E27FC236}">
-                <a16:creationId xmlns="" xmlns:a16="http://schemas.microsoft.com/office/drawing/2014/main" id="{FCF28F77-6743-40F7-B661-7DE6BEDC6A0B}"/>
+                <a16:creationId xmlns:a16="http://schemas.microsoft.com/office/drawing/2014/main" id="{FCF28F77-6743-40F7-B661-7DE6BEDC6A0B}"/>
               </a:ext>
             </a:extLst>
           </p:cNvPr>
@@ -4853,8 +4852,12 @@
               <a:t>1</a:t>
             </a:r>
             <a:r>
+              <a:rPr lang="zh-CN" altLang="en-US" sz="2400" smtClean="0"/>
+              <a:t>）栈方</a:t>
+            </a:r>
+            <a:r>
               <a:rPr lang="zh-CN" altLang="en-US" sz="2400" dirty="0" smtClean="0"/>
-              <a:t>）哈希表方法特别简单（笔试用）</a:t>
+              <a:t>法特别简单（笔试用）</a:t>
             </a:r>
             <a:endParaRPr lang="en-US" altLang="zh-CN" sz="2400" dirty="0" smtClean="0"/>
           </a:p>
@@ -4885,7 +4888,7 @@
           <p:cNvPr id="4" name="页脚占位符 3">
             <a:extLst>
               <a:ext uri="{FF2B5EF4-FFF2-40B4-BE49-F238E27FC236}">
-                <a16:creationId xmlns="" xmlns:a16="http://schemas.microsoft.com/office/drawing/2014/main" id="{E5784C5B-E926-4C19-849B-C2507EB97652}"/>
+                <a16:creationId xmlns:a16="http://schemas.microsoft.com/office/drawing/2014/main" id="{E5784C5B-E926-4C19-849B-C2507EB97652}"/>
               </a:ext>
             </a:extLst>
           </p:cNvPr>
@@ -4922,7 +4925,7 @@
           <p:cNvPr id="5" name="图片 4">
             <a:extLst>
               <a:ext uri="{FF2B5EF4-FFF2-40B4-BE49-F238E27FC236}">
-                <a16:creationId xmlns="" xmlns:a16="http://schemas.microsoft.com/office/drawing/2014/main" id="{DD3CE3FF-C8EB-4708-915E-B1FE5FA36590}"/>
+                <a16:creationId xmlns:a16="http://schemas.microsoft.com/office/drawing/2014/main" id="{DD3CE3FF-C8EB-4708-915E-B1FE5FA36590}"/>
               </a:ext>
             </a:extLst>
           </p:cNvPr>
@@ -4995,7 +4998,7 @@
           <p:cNvPr id="2" name="标题 1">
             <a:extLst>
               <a:ext uri="{FF2B5EF4-FFF2-40B4-BE49-F238E27FC236}">
-                <a16:creationId xmlns="" xmlns:a16="http://schemas.microsoft.com/office/drawing/2014/main" id="{403A4842-C8D9-4956-A38B-831250316ED2}"/>
+                <a16:creationId xmlns:a16="http://schemas.microsoft.com/office/drawing/2014/main" id="{403A4842-C8D9-4956-A38B-831250316ED2}"/>
               </a:ext>
             </a:extLst>
           </p:cNvPr>
@@ -5031,7 +5034,7 @@
           <p:cNvPr id="3" name="内容占位符 2">
             <a:extLst>
               <a:ext uri="{FF2B5EF4-FFF2-40B4-BE49-F238E27FC236}">
-                <a16:creationId xmlns="" xmlns:a16="http://schemas.microsoft.com/office/drawing/2014/main" id="{FCF28F77-6743-40F7-B661-7DE6BEDC6A0B}"/>
+                <a16:creationId xmlns:a16="http://schemas.microsoft.com/office/drawing/2014/main" id="{FCF28F77-6743-40F7-B661-7DE6BEDC6A0B}"/>
               </a:ext>
             </a:extLst>
           </p:cNvPr>
@@ -5128,7 +5131,7 @@
           <p:cNvPr id="4" name="页脚占位符 3">
             <a:extLst>
               <a:ext uri="{FF2B5EF4-FFF2-40B4-BE49-F238E27FC236}">
-                <a16:creationId xmlns="" xmlns:a16="http://schemas.microsoft.com/office/drawing/2014/main" id="{E5784C5B-E926-4C19-849B-C2507EB97652}"/>
+                <a16:creationId xmlns:a16="http://schemas.microsoft.com/office/drawing/2014/main" id="{E5784C5B-E926-4C19-849B-C2507EB97652}"/>
               </a:ext>
             </a:extLst>
           </p:cNvPr>
@@ -5165,7 +5168,7 @@
           <p:cNvPr id="5" name="图片 4">
             <a:extLst>
               <a:ext uri="{FF2B5EF4-FFF2-40B4-BE49-F238E27FC236}">
-                <a16:creationId xmlns="" xmlns:a16="http://schemas.microsoft.com/office/drawing/2014/main" id="{DD3CE3FF-C8EB-4708-915E-B1FE5FA36590}"/>
+                <a16:creationId xmlns:a16="http://schemas.microsoft.com/office/drawing/2014/main" id="{DD3CE3FF-C8EB-4708-915E-B1FE5FA36590}"/>
               </a:ext>
             </a:extLst>
           </p:cNvPr>
@@ -5238,7 +5241,7 @@
           <p:cNvPr id="2" name="标题 1">
             <a:extLst>
               <a:ext uri="{FF2B5EF4-FFF2-40B4-BE49-F238E27FC236}">
-                <a16:creationId xmlns="" xmlns:a16="http://schemas.microsoft.com/office/drawing/2014/main" id="{403A4842-C8D9-4956-A38B-831250316ED2}"/>
+                <a16:creationId xmlns:a16="http://schemas.microsoft.com/office/drawing/2014/main" id="{403A4842-C8D9-4956-A38B-831250316ED2}"/>
               </a:ext>
             </a:extLst>
           </p:cNvPr>
@@ -5274,7 +5277,7 @@
           <p:cNvPr id="3" name="内容占位符 2">
             <a:extLst>
               <a:ext uri="{FF2B5EF4-FFF2-40B4-BE49-F238E27FC236}">
-                <a16:creationId xmlns="" xmlns:a16="http://schemas.microsoft.com/office/drawing/2014/main" id="{FCF28F77-6743-40F7-B661-7DE6BEDC6A0B}"/>
+                <a16:creationId xmlns:a16="http://schemas.microsoft.com/office/drawing/2014/main" id="{FCF28F77-6743-40F7-B661-7DE6BEDC6A0B}"/>
               </a:ext>
             </a:extLst>
           </p:cNvPr>
@@ -5476,7 +5479,6 @@
               <a:rPr lang="zh-CN" altLang="en-US" sz="2400" dirty="0"/>
               <a:t>，请实现一个函数完成这个链表的复制，并返回复制的新链表的头节点。 </a:t>
             </a:r>
-            <a:endParaRPr lang="zh-CN" altLang="en-US" sz="2400" dirty="0"/>
           </a:p>
           <a:p>
             <a:pPr marL="0" indent="0">
@@ -5530,7 +5532,7 @@
           <p:cNvPr id="4" name="页脚占位符 3">
             <a:extLst>
               <a:ext uri="{FF2B5EF4-FFF2-40B4-BE49-F238E27FC236}">
-                <a16:creationId xmlns="" xmlns:a16="http://schemas.microsoft.com/office/drawing/2014/main" id="{E5784C5B-E926-4C19-849B-C2507EB97652}"/>
+                <a16:creationId xmlns:a16="http://schemas.microsoft.com/office/drawing/2014/main" id="{E5784C5B-E926-4C19-849B-C2507EB97652}"/>
               </a:ext>
             </a:extLst>
           </p:cNvPr>
@@ -5567,7 +5569,7 @@
           <p:cNvPr id="5" name="图片 4">
             <a:extLst>
               <a:ext uri="{FF2B5EF4-FFF2-40B4-BE49-F238E27FC236}">
-                <a16:creationId xmlns="" xmlns:a16="http://schemas.microsoft.com/office/drawing/2014/main" id="{DD3CE3FF-C8EB-4708-915E-B1FE5FA36590}"/>
+                <a16:creationId xmlns:a16="http://schemas.microsoft.com/office/drawing/2014/main" id="{DD3CE3FF-C8EB-4708-915E-B1FE5FA36590}"/>
               </a:ext>
             </a:extLst>
           </p:cNvPr>
@@ -5640,7 +5642,7 @@
           <p:cNvPr id="2" name="标题 1">
             <a:extLst>
               <a:ext uri="{FF2B5EF4-FFF2-40B4-BE49-F238E27FC236}">
-                <a16:creationId xmlns="" xmlns:a16="http://schemas.microsoft.com/office/drawing/2014/main" id="{403A4842-C8D9-4956-A38B-831250316ED2}"/>
+                <a16:creationId xmlns:a16="http://schemas.microsoft.com/office/drawing/2014/main" id="{403A4842-C8D9-4956-A38B-831250316ED2}"/>
               </a:ext>
             </a:extLst>
           </p:cNvPr>
@@ -5676,7 +5678,7 @@
           <p:cNvPr id="3" name="内容占位符 2">
             <a:extLst>
               <a:ext uri="{FF2B5EF4-FFF2-40B4-BE49-F238E27FC236}">
-                <a16:creationId xmlns="" xmlns:a16="http://schemas.microsoft.com/office/drawing/2014/main" id="{FCF28F77-6743-40F7-B661-7DE6BEDC6A0B}"/>
+                <a16:creationId xmlns:a16="http://schemas.microsoft.com/office/drawing/2014/main" id="{FCF28F77-6743-40F7-B661-7DE6BEDC6A0B}"/>
               </a:ext>
             </a:extLst>
           </p:cNvPr>
@@ -5808,7 +5810,7 @@
           <p:cNvPr id="4" name="页脚占位符 3">
             <a:extLst>
               <a:ext uri="{FF2B5EF4-FFF2-40B4-BE49-F238E27FC236}">
-                <a16:creationId xmlns="" xmlns:a16="http://schemas.microsoft.com/office/drawing/2014/main" id="{E5784C5B-E926-4C19-849B-C2507EB97652}"/>
+                <a16:creationId xmlns:a16="http://schemas.microsoft.com/office/drawing/2014/main" id="{E5784C5B-E926-4C19-849B-C2507EB97652}"/>
               </a:ext>
             </a:extLst>
           </p:cNvPr>
@@ -5845,7 +5847,7 @@
           <p:cNvPr id="5" name="图片 4">
             <a:extLst>
               <a:ext uri="{FF2B5EF4-FFF2-40B4-BE49-F238E27FC236}">
-                <a16:creationId xmlns="" xmlns:a16="http://schemas.microsoft.com/office/drawing/2014/main" id="{DD3CE3FF-C8EB-4708-915E-B1FE5FA36590}"/>
+                <a16:creationId xmlns:a16="http://schemas.microsoft.com/office/drawing/2014/main" id="{DD3CE3FF-C8EB-4708-915E-B1FE5FA36590}"/>
               </a:ext>
             </a:extLst>
           </p:cNvPr>
@@ -5918,7 +5920,7 @@
           <p:cNvPr id="2" name="标题 1">
             <a:extLst>
               <a:ext uri="{FF2B5EF4-FFF2-40B4-BE49-F238E27FC236}">
-                <a16:creationId xmlns="" xmlns:a16="http://schemas.microsoft.com/office/drawing/2014/main" id="{403A4842-C8D9-4956-A38B-831250316ED2}"/>
+                <a16:creationId xmlns:a16="http://schemas.microsoft.com/office/drawing/2014/main" id="{403A4842-C8D9-4956-A38B-831250316ED2}"/>
               </a:ext>
             </a:extLst>
           </p:cNvPr>
@@ -5954,7 +5956,7 @@
           <p:cNvPr id="3" name="内容占位符 2">
             <a:extLst>
               <a:ext uri="{FF2B5EF4-FFF2-40B4-BE49-F238E27FC236}">
-                <a16:creationId xmlns="" xmlns:a16="http://schemas.microsoft.com/office/drawing/2014/main" id="{FCF28F77-6743-40F7-B661-7DE6BEDC6A0B}"/>
+                <a16:creationId xmlns:a16="http://schemas.microsoft.com/office/drawing/2014/main" id="{FCF28F77-6743-40F7-B661-7DE6BEDC6A0B}"/>
               </a:ext>
             </a:extLst>
           </p:cNvPr>
@@ -5997,7 +5999,7 @@
           <p:cNvPr id="4" name="页脚占位符 3">
             <a:extLst>
               <a:ext uri="{FF2B5EF4-FFF2-40B4-BE49-F238E27FC236}">
-                <a16:creationId xmlns="" xmlns:a16="http://schemas.microsoft.com/office/drawing/2014/main" id="{E5784C5B-E926-4C19-849B-C2507EB97652}"/>
+                <a16:creationId xmlns:a16="http://schemas.microsoft.com/office/drawing/2014/main" id="{E5784C5B-E926-4C19-849B-C2507EB97652}"/>
               </a:ext>
             </a:extLst>
           </p:cNvPr>
@@ -6034,7 +6036,7 @@
           <p:cNvPr id="5" name="图片 4">
             <a:extLst>
               <a:ext uri="{FF2B5EF4-FFF2-40B4-BE49-F238E27FC236}">
-                <a16:creationId xmlns="" xmlns:a16="http://schemas.microsoft.com/office/drawing/2014/main" id="{DD3CE3FF-C8EB-4708-915E-B1FE5FA36590}"/>
+                <a16:creationId xmlns:a16="http://schemas.microsoft.com/office/drawing/2014/main" id="{DD3CE3FF-C8EB-4708-915E-B1FE5FA36590}"/>
               </a:ext>
             </a:extLst>
           </p:cNvPr>
